--- a/公共文件/Spacecraft project.pptx
+++ b/公共文件/Spacecraft project.pptx
@@ -110,6 +110,22 @@
       </a:defRPr>
     </a:lvl9pPr>
   </p:defaultTextStyle>
+  <p:extLst>
+    <p:ext uri="{EFAFB233-063F-42B5-8137-9DF3F51BA10A}">
+      <p15:sldGuideLst xmlns:p15="http://schemas.microsoft.com/office/powerpoint/2012/main">
+        <p15:guide id="1" orient="horz" pos="2160">
+          <p15:clr>
+            <a:srgbClr val="A4A3A4"/>
+          </p15:clr>
+        </p15:guide>
+        <p15:guide id="2" pos="2880">
+          <p15:clr>
+            <a:srgbClr val="A4A3A4"/>
+          </p15:clr>
+        </p15:guide>
+      </p15:sldGuideLst>
+    </p:ext>
+  </p:extLst>
 </p:presentation>
 </file>
 
@@ -250,7 +266,7 @@
           <a:p>
             <a:fld id="{FF50D496-368E-40F4-8B21-F0435638F70B}" type="datetimeFigureOut">
               <a:rPr lang="zh-CN" altLang="en-US" smtClean="0"/>
-              <a:t>2014/11/24</a:t>
+              <a:t>2014/11/27 Thursday</a:t>
             </a:fld>
             <a:endParaRPr lang="zh-CN" altLang="en-US"/>
           </a:p>
@@ -1119,7 +1135,7 @@
           <a:p>
             <a:fld id="{FF50D496-368E-40F4-8B21-F0435638F70B}" type="datetimeFigureOut">
               <a:rPr lang="zh-CN" altLang="en-US" smtClean="0"/>
-              <a:t>2014/11/24</a:t>
+              <a:t>2014/11/27 Thursday</a:t>
             </a:fld>
             <a:endParaRPr lang="zh-CN" altLang="en-US"/>
           </a:p>
@@ -1294,7 +1310,7 @@
           <a:p>
             <a:fld id="{FF50D496-368E-40F4-8B21-F0435638F70B}" type="datetimeFigureOut">
               <a:rPr lang="zh-CN" altLang="en-US" smtClean="0"/>
-              <a:t>2014/11/24</a:t>
+              <a:t>2014/11/27 Thursday</a:t>
             </a:fld>
             <a:endParaRPr lang="zh-CN" altLang="en-US"/>
           </a:p>
@@ -1464,7 +1480,7 @@
           <a:p>
             <a:fld id="{FF50D496-368E-40F4-8B21-F0435638F70B}" type="datetimeFigureOut">
               <a:rPr lang="zh-CN" altLang="en-US" smtClean="0"/>
-              <a:t>2014/11/24</a:t>
+              <a:t>2014/11/27 Thursday</a:t>
             </a:fld>
             <a:endParaRPr lang="zh-CN" altLang="en-US"/>
           </a:p>
@@ -1674,7 +1690,7 @@
           <a:p>
             <a:fld id="{FF50D496-368E-40F4-8B21-F0435638F70B}" type="datetimeFigureOut">
               <a:rPr lang="zh-CN" altLang="en-US" smtClean="0"/>
-              <a:t>2014/11/24</a:t>
+              <a:t>2014/11/27 Thursday</a:t>
             </a:fld>
             <a:endParaRPr lang="zh-CN" altLang="en-US"/>
           </a:p>
@@ -2488,7 +2504,7 @@
           <a:p>
             <a:fld id="{FF50D496-368E-40F4-8B21-F0435638F70B}" type="datetimeFigureOut">
               <a:rPr lang="zh-CN" altLang="en-US" smtClean="0"/>
-              <a:t>2014/11/24</a:t>
+              <a:t>2014/11/27 Thursday</a:t>
             </a:fld>
             <a:endParaRPr lang="zh-CN" altLang="en-US"/>
           </a:p>
@@ -2724,7 +2740,7 @@
           <a:p>
             <a:fld id="{FF50D496-368E-40F4-8B21-F0435638F70B}" type="datetimeFigureOut">
               <a:rPr lang="zh-CN" altLang="en-US" smtClean="0"/>
-              <a:t>2014/11/24</a:t>
+              <a:t>2014/11/27 Thursday</a:t>
             </a:fld>
             <a:endParaRPr lang="zh-CN" altLang="en-US"/>
           </a:p>
@@ -3047,7 +3063,7 @@
           <a:p>
             <a:fld id="{FF50D496-368E-40F4-8B21-F0435638F70B}" type="datetimeFigureOut">
               <a:rPr lang="zh-CN" altLang="en-US" smtClean="0"/>
-              <a:t>2014/11/24</a:t>
+              <a:t>2014/11/27 Thursday</a:t>
             </a:fld>
             <a:endParaRPr lang="zh-CN" altLang="en-US"/>
           </a:p>
@@ -3137,7 +3153,7 @@
           <a:p>
             <a:fld id="{FF50D496-368E-40F4-8B21-F0435638F70B}" type="datetimeFigureOut">
               <a:rPr lang="zh-CN" altLang="en-US" smtClean="0"/>
-              <a:t>2014/11/24</a:t>
+              <a:t>2014/11/27 Thursday</a:t>
             </a:fld>
             <a:endParaRPr lang="zh-CN" altLang="en-US"/>
           </a:p>
@@ -3654,7 +3670,7 @@
           <a:p>
             <a:fld id="{FF50D496-368E-40F4-8B21-F0435638F70B}" type="datetimeFigureOut">
               <a:rPr lang="zh-CN" altLang="en-US" smtClean="0"/>
-              <a:t>2014/11/24</a:t>
+              <a:t>2014/11/27 Thursday</a:t>
             </a:fld>
             <a:endParaRPr lang="zh-CN" altLang="en-US"/>
           </a:p>
@@ -4165,7 +4181,7 @@
           <a:p>
             <a:fld id="{FF50D496-368E-40F4-8B21-F0435638F70B}" type="datetimeFigureOut">
               <a:rPr lang="zh-CN" altLang="en-US" smtClean="0"/>
-              <a:t>2014/11/24</a:t>
+              <a:t>2014/11/27 Thursday</a:t>
             </a:fld>
             <a:endParaRPr lang="zh-CN" altLang="en-US"/>
           </a:p>
@@ -4410,7 +4426,7 @@
           <a:p>
             <a:fld id="{FF50D496-368E-40F4-8B21-F0435638F70B}" type="datetimeFigureOut">
               <a:rPr lang="zh-CN" altLang="en-US" smtClean="0"/>
-              <a:t>2014/11/24</a:t>
+              <a:t>2014/11/27 Thursday</a:t>
             </a:fld>
             <a:endParaRPr lang="zh-CN" altLang="en-US"/>
           </a:p>
@@ -5038,25 +5054,6 @@
           </a:p>
         </p:txBody>
       </p:sp>
-      <p:sp>
-        <p:nvSpPr>
-          <p:cNvPr id="3" name="副标题 2"/>
-          <p:cNvSpPr>
-            <a:spLocks noGrp="1"/>
-          </p:cNvSpPr>
-          <p:nvPr>
-            <p:ph type="subTitle" idx="1"/>
-          </p:nvPr>
-        </p:nvSpPr>
-        <p:spPr/>
-        <p:txBody>
-          <a:bodyPr/>
-          <a:lstStyle/>
-          <a:p>
-            <a:endParaRPr lang="zh-CN" altLang="en-US"/>
-          </a:p>
-        </p:txBody>
-      </p:sp>
     </p:spTree>
   </p:cSld>
   <p:clrMapOvr>

--- a/公共文件/Spacecraft project.pptx
+++ b/公共文件/Spacecraft project.pptx
@@ -1,6 +1,6 @@
 
 <file path=ppt/presentation.xml><?xml version="1.0" encoding="utf-8"?>
-<p:presentation xmlns:a="http://schemas.openxmlformats.org/drawingml/2006/main" xmlns:r="http://schemas.openxmlformats.org/officeDocument/2006/relationships" xmlns:p="http://schemas.openxmlformats.org/presentationml/2006/main" saveSubsetFonts="1">
+<p:presentation xmlns:a="http://schemas.openxmlformats.org/drawingml/2006/main" xmlns:r="http://schemas.openxmlformats.org/officeDocument/2006/relationships" xmlns:p="http://schemas.openxmlformats.org/presentationml/2006/main" serverZoom="20062" saveSubsetFonts="1">
   <p:sldMasterIdLst>
     <p:sldMasterId id="2147483660" r:id="rId1"/>
   </p:sldMasterIdLst>
@@ -12,6 +12,7 @@
     <p:sldId id="260" r:id="rId6"/>
     <p:sldId id="261" r:id="rId7"/>
     <p:sldId id="262" r:id="rId8"/>
+    <p:sldId id="263" r:id="rId9"/>
   </p:sldIdLst>
   <p:sldSz cx="9144000" cy="6858000" type="screen4x3"/>
   <p:notesSz cx="6858000" cy="9144000"/>
@@ -110,22 +111,6 @@
       </a:defRPr>
     </a:lvl9pPr>
   </p:defaultTextStyle>
-  <p:extLst>
-    <p:ext uri="{EFAFB233-063F-42B5-8137-9DF3F51BA10A}">
-      <p15:sldGuideLst xmlns:p15="http://schemas.microsoft.com/office/powerpoint/2012/main">
-        <p15:guide id="1" orient="horz" pos="2160">
-          <p15:clr>
-            <a:srgbClr val="A4A3A4"/>
-          </p15:clr>
-        </p15:guide>
-        <p15:guide id="2" pos="2880">
-          <p15:clr>
-            <a:srgbClr val="A4A3A4"/>
-          </p15:clr>
-        </p15:guide>
-      </p15:sldGuideLst>
-    </p:ext>
-  </p:extLst>
 </p:presentation>
 </file>
 
@@ -266,7 +251,8 @@
           <a:p>
             <a:fld id="{FF50D496-368E-40F4-8B21-F0435638F70B}" type="datetimeFigureOut">
               <a:rPr lang="zh-CN" altLang="en-US" smtClean="0"/>
-              <a:t>2014/11/27 Thursday</a:t>
+              <a:pPr/>
+              <a:t>2014/11/27</a:t>
             </a:fld>
             <a:endParaRPr lang="zh-CN" altLang="en-US"/>
           </a:p>
@@ -1012,6 +998,7 @@
           <a:p>
             <a:fld id="{2B5E376B-30BE-49F3-827A-32EC8282952A}" type="slidenum">
               <a:rPr lang="zh-CN" altLang="en-US" smtClean="0"/>
+              <a:pPr/>
               <a:t>‹#›</a:t>
             </a:fld>
             <a:endParaRPr lang="zh-CN" altLang="en-US"/>
@@ -1135,7 +1122,8 @@
           <a:p>
             <a:fld id="{FF50D496-368E-40F4-8B21-F0435638F70B}" type="datetimeFigureOut">
               <a:rPr lang="zh-CN" altLang="en-US" smtClean="0"/>
-              <a:t>2014/11/27 Thursday</a:t>
+              <a:pPr/>
+              <a:t>2014/11/27</a:t>
             </a:fld>
             <a:endParaRPr lang="zh-CN" altLang="en-US"/>
           </a:p>
@@ -1177,6 +1165,7 @@
           <a:p>
             <a:fld id="{2B5E376B-30BE-49F3-827A-32EC8282952A}" type="slidenum">
               <a:rPr lang="zh-CN" altLang="en-US" smtClean="0"/>
+              <a:pPr/>
               <a:t>‹#›</a:t>
             </a:fld>
             <a:endParaRPr lang="zh-CN" altLang="en-US"/>
@@ -1310,7 +1299,8 @@
           <a:p>
             <a:fld id="{FF50D496-368E-40F4-8B21-F0435638F70B}" type="datetimeFigureOut">
               <a:rPr lang="zh-CN" altLang="en-US" smtClean="0"/>
-              <a:t>2014/11/27 Thursday</a:t>
+              <a:pPr/>
+              <a:t>2014/11/27</a:t>
             </a:fld>
             <a:endParaRPr lang="zh-CN" altLang="en-US"/>
           </a:p>
@@ -1352,6 +1342,7 @@
           <a:p>
             <a:fld id="{2B5E376B-30BE-49F3-827A-32EC8282952A}" type="slidenum">
               <a:rPr lang="zh-CN" altLang="en-US" smtClean="0"/>
+              <a:pPr/>
               <a:t>‹#›</a:t>
             </a:fld>
             <a:endParaRPr lang="zh-CN" altLang="en-US"/>
@@ -1480,7 +1471,8 @@
           <a:p>
             <a:fld id="{FF50D496-368E-40F4-8B21-F0435638F70B}" type="datetimeFigureOut">
               <a:rPr lang="zh-CN" altLang="en-US" smtClean="0"/>
-              <a:t>2014/11/27 Thursday</a:t>
+              <a:pPr/>
+              <a:t>2014/11/27</a:t>
             </a:fld>
             <a:endParaRPr lang="zh-CN" altLang="en-US"/>
           </a:p>
@@ -1503,6 +1495,7 @@
           <a:p>
             <a:fld id="{2B5E376B-30BE-49F3-827A-32EC8282952A}" type="slidenum">
               <a:rPr lang="zh-CN" altLang="en-US" smtClean="0"/>
+              <a:pPr/>
               <a:t>‹#›</a:t>
             </a:fld>
             <a:endParaRPr lang="zh-CN" altLang="en-US"/>
@@ -1690,7 +1683,8 @@
           <a:p>
             <a:fld id="{FF50D496-368E-40F4-8B21-F0435638F70B}" type="datetimeFigureOut">
               <a:rPr lang="zh-CN" altLang="en-US" smtClean="0"/>
-              <a:t>2014/11/27 Thursday</a:t>
+              <a:pPr/>
+              <a:t>2014/11/27</a:t>
             </a:fld>
             <a:endParaRPr lang="zh-CN" altLang="en-US"/>
           </a:p>
@@ -2433,6 +2427,7 @@
           <a:p>
             <a:fld id="{2B5E376B-30BE-49F3-827A-32EC8282952A}" type="slidenum">
               <a:rPr lang="zh-CN" altLang="en-US" smtClean="0"/>
+              <a:pPr/>
               <a:t>‹#›</a:t>
             </a:fld>
             <a:endParaRPr lang="zh-CN" altLang="en-US"/>
@@ -2504,7 +2499,8 @@
           <a:p>
             <a:fld id="{FF50D496-368E-40F4-8B21-F0435638F70B}" type="datetimeFigureOut">
               <a:rPr lang="zh-CN" altLang="en-US" smtClean="0"/>
-              <a:t>2014/11/27 Thursday</a:t>
+              <a:pPr/>
+              <a:t>2014/11/27</a:t>
             </a:fld>
             <a:endParaRPr lang="zh-CN" altLang="en-US"/>
           </a:p>
@@ -2546,6 +2542,7 @@
           <a:p>
             <a:fld id="{2B5E376B-30BE-49F3-827A-32EC8282952A}" type="slidenum">
               <a:rPr lang="zh-CN" altLang="en-US" smtClean="0"/>
+              <a:pPr/>
               <a:t>‹#›</a:t>
             </a:fld>
             <a:endParaRPr lang="zh-CN" altLang="en-US"/>
@@ -2740,7 +2737,8 @@
           <a:p>
             <a:fld id="{FF50D496-368E-40F4-8B21-F0435638F70B}" type="datetimeFigureOut">
               <a:rPr lang="zh-CN" altLang="en-US" smtClean="0"/>
-              <a:t>2014/11/27 Thursday</a:t>
+              <a:pPr/>
+              <a:t>2014/11/27</a:t>
             </a:fld>
             <a:endParaRPr lang="zh-CN" altLang="en-US"/>
           </a:p>
@@ -2782,6 +2780,7 @@
           <a:p>
             <a:fld id="{2B5E376B-30BE-49F3-827A-32EC8282952A}" type="slidenum">
               <a:rPr lang="zh-CN" altLang="en-US" smtClean="0"/>
+              <a:pPr/>
               <a:t>‹#›</a:t>
             </a:fld>
             <a:endParaRPr lang="zh-CN" altLang="en-US"/>
@@ -3063,7 +3062,8 @@
           <a:p>
             <a:fld id="{FF50D496-368E-40F4-8B21-F0435638F70B}" type="datetimeFigureOut">
               <a:rPr lang="zh-CN" altLang="en-US" smtClean="0"/>
-              <a:t>2014/11/27 Thursday</a:t>
+              <a:pPr/>
+              <a:t>2014/11/27</a:t>
             </a:fld>
             <a:endParaRPr lang="zh-CN" altLang="en-US"/>
           </a:p>
@@ -3086,6 +3086,7 @@
           <a:p>
             <a:fld id="{2B5E376B-30BE-49F3-827A-32EC8282952A}" type="slidenum">
               <a:rPr lang="zh-CN" altLang="en-US" smtClean="0"/>
+              <a:pPr/>
               <a:t>‹#›</a:t>
             </a:fld>
             <a:endParaRPr lang="zh-CN" altLang="en-US"/>
@@ -3153,7 +3154,8 @@
           <a:p>
             <a:fld id="{FF50D496-368E-40F4-8B21-F0435638F70B}" type="datetimeFigureOut">
               <a:rPr lang="zh-CN" altLang="en-US" smtClean="0"/>
-              <a:t>2014/11/27 Thursday</a:t>
+              <a:pPr/>
+              <a:t>2014/11/27</a:t>
             </a:fld>
             <a:endParaRPr lang="zh-CN" altLang="en-US"/>
           </a:p>
@@ -3195,6 +3197,7 @@
           <a:p>
             <a:fld id="{2B5E376B-30BE-49F3-827A-32EC8282952A}" type="slidenum">
               <a:rPr lang="zh-CN" altLang="en-US" smtClean="0"/>
+              <a:pPr/>
               <a:t>‹#›</a:t>
             </a:fld>
             <a:endParaRPr lang="zh-CN" altLang="en-US"/>
@@ -3670,7 +3673,8 @@
           <a:p>
             <a:fld id="{FF50D496-368E-40F4-8B21-F0435638F70B}" type="datetimeFigureOut">
               <a:rPr lang="zh-CN" altLang="en-US" smtClean="0"/>
-              <a:t>2014/11/27 Thursday</a:t>
+              <a:pPr/>
+              <a:t>2014/11/27</a:t>
             </a:fld>
             <a:endParaRPr lang="zh-CN" altLang="en-US"/>
           </a:p>
@@ -3693,6 +3697,7 @@
           <a:p>
             <a:fld id="{2B5E376B-30BE-49F3-827A-32EC8282952A}" type="slidenum">
               <a:rPr lang="zh-CN" altLang="en-US" smtClean="0"/>
+              <a:pPr/>
               <a:t>‹#›</a:t>
             </a:fld>
             <a:endParaRPr lang="zh-CN" altLang="en-US"/>
@@ -4181,7 +4186,8 @@
           <a:p>
             <a:fld id="{FF50D496-368E-40F4-8B21-F0435638F70B}" type="datetimeFigureOut">
               <a:rPr lang="zh-CN" altLang="en-US" smtClean="0"/>
-              <a:t>2014/11/27 Thursday</a:t>
+              <a:pPr/>
+              <a:t>2014/11/27</a:t>
             </a:fld>
             <a:endParaRPr lang="zh-CN" altLang="en-US"/>
           </a:p>
@@ -4204,6 +4210,7 @@
           <a:p>
             <a:fld id="{2B5E376B-30BE-49F3-827A-32EC8282952A}" type="slidenum">
               <a:rPr lang="zh-CN" altLang="en-US" smtClean="0"/>
+              <a:pPr/>
               <a:t>‹#›</a:t>
             </a:fld>
             <a:endParaRPr lang="zh-CN" altLang="en-US"/>
@@ -4426,7 +4433,8 @@
           <a:p>
             <a:fld id="{FF50D496-368E-40F4-8B21-F0435638F70B}" type="datetimeFigureOut">
               <a:rPr lang="zh-CN" altLang="en-US" smtClean="0"/>
-              <a:t>2014/11/27 Thursday</a:t>
+              <a:pPr/>
+              <a:t>2014/11/27</a:t>
             </a:fld>
             <a:endParaRPr lang="zh-CN" altLang="en-US"/>
           </a:p>
@@ -4702,6 +4710,7 @@
           <a:p>
             <a:fld id="{2B5E376B-30BE-49F3-827A-32EC8282952A}" type="slidenum">
               <a:rPr lang="zh-CN" altLang="en-US" smtClean="0"/>
+              <a:pPr/>
               <a:t>‹#›</a:t>
             </a:fld>
             <a:endParaRPr lang="zh-CN" altLang="en-US"/>
@@ -5054,6 +5063,25 @@
           </a:p>
         </p:txBody>
       </p:sp>
+      <p:sp>
+        <p:nvSpPr>
+          <p:cNvPr id="3" name="副标题 2"/>
+          <p:cNvSpPr>
+            <a:spLocks noGrp="1"/>
+          </p:cNvSpPr>
+          <p:nvPr>
+            <p:ph type="subTitle" idx="1"/>
+          </p:nvPr>
+        </p:nvSpPr>
+        <p:spPr/>
+        <p:txBody>
+          <a:bodyPr/>
+          <a:lstStyle/>
+          <a:p>
+            <a:endParaRPr lang="zh-CN" altLang="en-US"/>
+          </a:p>
+        </p:txBody>
+      </p:sp>
     </p:spTree>
   </p:cSld>
   <p:clrMapOvr>
@@ -6777,6 +6805,125 @@
           </a:fontRef>
         </p:style>
       </p:cxnSp>
+    </p:spTree>
+  </p:cSld>
+  <p:clrMapOvr>
+    <a:masterClrMapping/>
+  </p:clrMapOvr>
+</p:sld>
+</file>
+
+<file path=ppt/slides/slide8.xml><?xml version="1.0" encoding="utf-8"?>
+<p:sld xmlns:a="http://schemas.openxmlformats.org/drawingml/2006/main" xmlns:r="http://schemas.openxmlformats.org/officeDocument/2006/relationships" xmlns:p="http://schemas.openxmlformats.org/presentationml/2006/main">
+  <p:cSld>
+    <p:spTree>
+      <p:nvGrpSpPr>
+        <p:cNvPr id="1" name=""/>
+        <p:cNvGrpSpPr/>
+        <p:nvPr/>
+      </p:nvGrpSpPr>
+      <p:grpSpPr>
+        <a:xfrm>
+          <a:off x="0" y="0"/>
+          <a:ext cx="0" cy="0"/>
+          <a:chOff x="0" y="0"/>
+          <a:chExt cx="0" cy="0"/>
+        </a:xfrm>
+      </p:grpSpPr>
+      <p:sp>
+        <p:nvSpPr>
+          <p:cNvPr id="2" name="标题 1"/>
+          <p:cNvSpPr>
+            <a:spLocks noGrp="1"/>
+          </p:cNvSpPr>
+          <p:nvPr>
+            <p:ph type="title"/>
+          </p:nvPr>
+        </p:nvSpPr>
+        <p:spPr/>
+        <p:txBody>
+          <a:bodyPr/>
+          <a:lstStyle/>
+          <a:p>
+            <a:r>
+              <a:rPr lang="en-US" altLang="zh-CN" dirty="0" smtClean="0"/>
+              <a:t>Elements</a:t>
+            </a:r>
+            <a:endParaRPr lang="zh-CN" altLang="en-US" dirty="0"/>
+          </a:p>
+        </p:txBody>
+      </p:sp>
+      <p:sp>
+        <p:nvSpPr>
+          <p:cNvPr id="3" name="内容占位符 2"/>
+          <p:cNvSpPr>
+            <a:spLocks noGrp="1"/>
+          </p:cNvSpPr>
+          <p:nvPr>
+            <p:ph sz="quarter" idx="1"/>
+          </p:nvPr>
+        </p:nvSpPr>
+        <p:spPr/>
+        <p:txBody>
+          <a:bodyPr/>
+          <a:lstStyle/>
+          <a:p>
+            <a:r>
+              <a:rPr lang="en-US" altLang="zh-CN" dirty="0" err="1" smtClean="0"/>
+              <a:t>SpaceShip</a:t>
+            </a:r>
+            <a:endParaRPr lang="en-US" altLang="zh-CN" dirty="0" smtClean="0"/>
+          </a:p>
+          <a:p>
+            <a:r>
+              <a:rPr lang="en-US" altLang="zh-CN" dirty="0" smtClean="0"/>
+              <a:t>Bullet</a:t>
+            </a:r>
+          </a:p>
+          <a:p>
+            <a:r>
+              <a:rPr lang="en-US" altLang="zh-CN" dirty="0" smtClean="0"/>
+              <a:t>Weapon</a:t>
+            </a:r>
+          </a:p>
+          <a:p>
+            <a:r>
+              <a:rPr lang="en-US" altLang="zh-CN" dirty="0" smtClean="0"/>
+              <a:t>Ornament</a:t>
+            </a:r>
+          </a:p>
+          <a:p>
+            <a:r>
+              <a:rPr lang="en-US" altLang="zh-CN" dirty="0" smtClean="0"/>
+              <a:t>Enemy</a:t>
+            </a:r>
+            <a:r>
+              <a:rPr lang="zh-CN" altLang="en-US" dirty="0" smtClean="0"/>
+              <a:t>（敌人，这个可以考虑给敌人加上</a:t>
+            </a:r>
+            <a:r>
+              <a:rPr lang="en-US" altLang="zh-CN" dirty="0" smtClean="0"/>
+              <a:t>Weapon</a:t>
+            </a:r>
+            <a:r>
+              <a:rPr lang="zh-CN" altLang="en-US" dirty="0" smtClean="0"/>
+              <a:t>）</a:t>
+            </a:r>
+            <a:endParaRPr lang="en-US" altLang="zh-CN" dirty="0" smtClean="0"/>
+          </a:p>
+          <a:p>
+            <a:r>
+              <a:rPr lang="en-US" altLang="zh-CN" dirty="0" smtClean="0"/>
+              <a:t>Item</a:t>
+            </a:r>
+            <a:r>
+              <a:rPr lang="zh-CN" altLang="en-US" dirty="0" smtClean="0"/>
+              <a:t>（掉落物，比如武器血包什么的）</a:t>
+            </a:r>
+            <a:endParaRPr lang="zh-CN" altLang="en-US" dirty="0"/>
+          </a:p>
+        </p:txBody>
+      </p:sp>
     </p:spTree>
   </p:cSld>
   <p:clrMapOvr>

--- a/公共文件/Spacecraft project.pptx
+++ b/公共文件/Spacecraft project.pptx
@@ -111,6 +111,22 @@
       </a:defRPr>
     </a:lvl9pPr>
   </p:defaultTextStyle>
+  <p:extLst>
+    <p:ext uri="{EFAFB233-063F-42B5-8137-9DF3F51BA10A}">
+      <p15:sldGuideLst xmlns:p15="http://schemas.microsoft.com/office/powerpoint/2012/main">
+        <p15:guide id="1" orient="horz" pos="2160">
+          <p15:clr>
+            <a:srgbClr val="A4A3A4"/>
+          </p15:clr>
+        </p15:guide>
+        <p15:guide id="2" pos="2880">
+          <p15:clr>
+            <a:srgbClr val="A4A3A4"/>
+          </p15:clr>
+        </p15:guide>
+      </p15:sldGuideLst>
+    </p:ext>
+  </p:extLst>
 </p:presentation>
 </file>
 
@@ -252,7 +268,7 @@
             <a:fld id="{FF50D496-368E-40F4-8B21-F0435638F70B}" type="datetimeFigureOut">
               <a:rPr lang="zh-CN" altLang="en-US" smtClean="0"/>
               <a:pPr/>
-              <a:t>2014/11/27</a:t>
+              <a:t>2014/11/27 Thursday</a:t>
             </a:fld>
             <a:endParaRPr lang="zh-CN" altLang="en-US"/>
           </a:p>
@@ -1123,7 +1139,7 @@
             <a:fld id="{FF50D496-368E-40F4-8B21-F0435638F70B}" type="datetimeFigureOut">
               <a:rPr lang="zh-CN" altLang="en-US" smtClean="0"/>
               <a:pPr/>
-              <a:t>2014/11/27</a:t>
+              <a:t>2014/11/27 Thursday</a:t>
             </a:fld>
             <a:endParaRPr lang="zh-CN" altLang="en-US"/>
           </a:p>
@@ -1300,7 +1316,7 @@
             <a:fld id="{FF50D496-368E-40F4-8B21-F0435638F70B}" type="datetimeFigureOut">
               <a:rPr lang="zh-CN" altLang="en-US" smtClean="0"/>
               <a:pPr/>
-              <a:t>2014/11/27</a:t>
+              <a:t>2014/11/27 Thursday</a:t>
             </a:fld>
             <a:endParaRPr lang="zh-CN" altLang="en-US"/>
           </a:p>
@@ -1472,7 +1488,7 @@
             <a:fld id="{FF50D496-368E-40F4-8B21-F0435638F70B}" type="datetimeFigureOut">
               <a:rPr lang="zh-CN" altLang="en-US" smtClean="0"/>
               <a:pPr/>
-              <a:t>2014/11/27</a:t>
+              <a:t>2014/11/27 Thursday</a:t>
             </a:fld>
             <a:endParaRPr lang="zh-CN" altLang="en-US"/>
           </a:p>
@@ -1684,7 +1700,7 @@
             <a:fld id="{FF50D496-368E-40F4-8B21-F0435638F70B}" type="datetimeFigureOut">
               <a:rPr lang="zh-CN" altLang="en-US" smtClean="0"/>
               <a:pPr/>
-              <a:t>2014/11/27</a:t>
+              <a:t>2014/11/27 Thursday</a:t>
             </a:fld>
             <a:endParaRPr lang="zh-CN" altLang="en-US"/>
           </a:p>
@@ -2500,7 +2516,7 @@
             <a:fld id="{FF50D496-368E-40F4-8B21-F0435638F70B}" type="datetimeFigureOut">
               <a:rPr lang="zh-CN" altLang="en-US" smtClean="0"/>
               <a:pPr/>
-              <a:t>2014/11/27</a:t>
+              <a:t>2014/11/27 Thursday</a:t>
             </a:fld>
             <a:endParaRPr lang="zh-CN" altLang="en-US"/>
           </a:p>
@@ -2738,7 +2754,7 @@
             <a:fld id="{FF50D496-368E-40F4-8B21-F0435638F70B}" type="datetimeFigureOut">
               <a:rPr lang="zh-CN" altLang="en-US" smtClean="0"/>
               <a:pPr/>
-              <a:t>2014/11/27</a:t>
+              <a:t>2014/11/27 Thursday</a:t>
             </a:fld>
             <a:endParaRPr lang="zh-CN" altLang="en-US"/>
           </a:p>
@@ -3063,7 +3079,7 @@
             <a:fld id="{FF50D496-368E-40F4-8B21-F0435638F70B}" type="datetimeFigureOut">
               <a:rPr lang="zh-CN" altLang="en-US" smtClean="0"/>
               <a:pPr/>
-              <a:t>2014/11/27</a:t>
+              <a:t>2014/11/27 Thursday</a:t>
             </a:fld>
             <a:endParaRPr lang="zh-CN" altLang="en-US"/>
           </a:p>
@@ -3155,7 +3171,7 @@
             <a:fld id="{FF50D496-368E-40F4-8B21-F0435638F70B}" type="datetimeFigureOut">
               <a:rPr lang="zh-CN" altLang="en-US" smtClean="0"/>
               <a:pPr/>
-              <a:t>2014/11/27</a:t>
+              <a:t>2014/11/27 Thursday</a:t>
             </a:fld>
             <a:endParaRPr lang="zh-CN" altLang="en-US"/>
           </a:p>
@@ -3674,7 +3690,7 @@
             <a:fld id="{FF50D496-368E-40F4-8B21-F0435638F70B}" type="datetimeFigureOut">
               <a:rPr lang="zh-CN" altLang="en-US" smtClean="0"/>
               <a:pPr/>
-              <a:t>2014/11/27</a:t>
+              <a:t>2014/11/27 Thursday</a:t>
             </a:fld>
             <a:endParaRPr lang="zh-CN" altLang="en-US"/>
           </a:p>
@@ -4187,7 +4203,7 @@
             <a:fld id="{FF50D496-368E-40F4-8B21-F0435638F70B}" type="datetimeFigureOut">
               <a:rPr lang="zh-CN" altLang="en-US" smtClean="0"/>
               <a:pPr/>
-              <a:t>2014/11/27</a:t>
+              <a:t>2014/11/27 Thursday</a:t>
             </a:fld>
             <a:endParaRPr lang="zh-CN" altLang="en-US"/>
           </a:p>
@@ -4434,7 +4450,7 @@
             <a:fld id="{FF50D496-368E-40F4-8B21-F0435638F70B}" type="datetimeFigureOut">
               <a:rPr lang="zh-CN" altLang="en-US" smtClean="0"/>
               <a:pPr/>
-              <a:t>2014/11/27</a:t>
+              <a:t>2014/11/27 Thursday</a:t>
             </a:fld>
             <a:endParaRPr lang="zh-CN" altLang="en-US"/>
           </a:p>
@@ -5063,25 +5079,6 @@
           </a:p>
         </p:txBody>
       </p:sp>
-      <p:sp>
-        <p:nvSpPr>
-          <p:cNvPr id="3" name="副标题 2"/>
-          <p:cNvSpPr>
-            <a:spLocks noGrp="1"/>
-          </p:cNvSpPr>
-          <p:nvPr>
-            <p:ph type="subTitle" idx="1"/>
-          </p:nvPr>
-        </p:nvSpPr>
-        <p:spPr/>
-        <p:txBody>
-          <a:bodyPr/>
-          <a:lstStyle/>
-          <a:p>
-            <a:endParaRPr lang="zh-CN" altLang="en-US"/>
-          </a:p>
-        </p:txBody>
-      </p:sp>
     </p:spTree>
   </p:cSld>
   <p:clrMapOvr>
